--- a/slides/1_datacleaning_workshop_slides.pptx
+++ b/slides/1_datacleaning_workshop_slides.pptx
@@ -17,6 +17,8 @@
     <p:sldId id="265" r:id="rId11"/>
     <p:sldId id="266" r:id="rId12"/>
     <p:sldId id="267" r:id="rId13"/>
+    <p:sldId id="268" r:id="rId14"/>
+    <p:sldId id="269" r:id="rId15"/>
   </p:sldIdLst>
   <p:sldSz cx="12192000" cy="6858000"/>
   <p:notesSz cx="6858000" cy="9144000"/>
@@ -3638,6 +3640,295 @@
             </a:pPr>
             <a:r>
               <a:rPr/>
+              <a:t>Let’s</a:t>
+            </a:r>
+            <a:r>
+              <a:rPr/>
+              <a:t> </a:t>
+            </a:r>
+            <a:r>
+              <a:rPr/>
+              <a:t>take</a:t>
+            </a:r>
+            <a:r>
+              <a:rPr/>
+              <a:t> </a:t>
+            </a:r>
+            <a:r>
+              <a:rPr/>
+              <a:t>on</a:t>
+            </a:r>
+            <a:r>
+              <a:rPr/>
+              <a:t> </a:t>
+            </a:r>
+            <a:r>
+              <a:rPr/>
+              <a:t>some</a:t>
+            </a:r>
+            <a:r>
+              <a:rPr/>
+              <a:t> </a:t>
+            </a:r>
+            <a:r>
+              <a:rPr/>
+              <a:t>challenges</a:t>
+            </a:r>
+          </a:p>
+        </p:txBody>
+      </p:sp>
+      <p:sp>
+        <p:nvSpPr>
+          <p:cNvPr id="3" name="Content Placeholder 2">
+            <a:extLst>
+              <a:ext uri="{FF2B5EF4-FFF2-40B4-BE49-F238E27FC236}">
+                <a16:creationId xmlns:a16="http://schemas.microsoft.com/office/drawing/2014/main" id="{A25E1A85-B87A-774D-8127-DDB79A00C24D}"/>
+              </a:ext>
+            </a:extLst>
+          </p:cNvPr>
+          <p:cNvSpPr>
+            <a:spLocks noGrp="1"/>
+          </p:cNvSpPr>
+          <p:nvPr>
+            <p:ph idx="1"/>
+          </p:nvPr>
+        </p:nvSpPr>
+        <p:spPr/>
+        <p:txBody>
+          <a:bodyPr/>
+          <a:lstStyle/>
+          <a:p>
+            <a:pPr lvl="1">
+              <a:buAutoNum type="arabicPeriod"/>
+            </a:pPr>
+            <a:r>
+              <a:rPr/>
+              <a:t>Ingest rectangular data - readr vs. base R vs. data.table</a:t>
+            </a:r>
+          </a:p>
+          <a:p>
+            <a:pPr lvl="1">
+              <a:buAutoNum type="arabicPeriod"/>
+            </a:pPr>
+            <a:r>
+              <a:rPr/>
+              <a:t>Inspect the data - dplyr, skimr, DataExplorer</a:t>
+            </a:r>
+          </a:p>
+          <a:p>
+            <a:pPr lvl="1">
+              <a:buAutoNum type="arabicPeriod"/>
+            </a:pPr>
+            <a:r>
+              <a:rPr/>
+              <a:t>Fix some dirty fields - dplyr, tidyr, janitor</a:t>
+            </a:r>
+          </a:p>
+          <a:p>
+            <a:pPr lvl="1">
+              <a:buAutoNum type="arabicPeriod"/>
+            </a:pPr>
+            <a:r>
+              <a:rPr/>
+              <a:t>Ingest other data - JSON</a:t>
+            </a:r>
+          </a:p>
+          <a:p>
+            <a:pPr lvl="1">
+              <a:buAutoNum type="arabicPeriod"/>
+            </a:pPr>
+            <a:r>
+              <a:rPr/>
+              <a:t>Pivoting - RIP to tidyr::gather(), tidyr::spread()</a:t>
+            </a:r>
+          </a:p>
+          <a:p>
+            <a:pPr lvl="1">
+              <a:buAutoNum type="arabicPeriod"/>
+            </a:pPr>
+            <a:r>
+              <a:rPr/>
+              <a:t>Pivoting - new tidyr </a:t>
+            </a:r>
+            <a:r>
+              <a:rPr sz="1800">
+                <a:latin typeface="Courier"/>
+              </a:rPr>
+              <a:t>pivot_</a:t>
+            </a:r>
+            <a:r>
+              <a:rPr/>
+              <a:t> functions</a:t>
+            </a:r>
+          </a:p>
+        </p:txBody>
+      </p:sp>
+    </p:spTree>
+  </p:cSld>
+</p:sld>
+</file>
+
+<file path=ppt/slides/slide11.xml><?xml version="1.0" encoding="utf-8"?>
+<p:sld xmlns:a="http://schemas.openxmlformats.org/drawingml/2006/main" xmlns:r="http://schemas.openxmlformats.org/officeDocument/2006/relationships" xmlns:p="http://schemas.openxmlformats.org/presentationml/2006/main">
+  <p:cSld>
+    <p:spTree>
+      <p:nvGrpSpPr>
+        <p:cNvPr id="1" name=""/>
+        <p:cNvGrpSpPr/>
+        <p:nvPr/>
+      </p:nvGrpSpPr>
+      <p:grpSpPr>
+        <a:xfrm>
+          <a:off x="0" y="0"/>
+          <a:ext cx="0" cy="0"/>
+          <a:chOff x="0" y="0"/>
+          <a:chExt cx="0" cy="0"/>
+        </a:xfrm>
+      </p:grpSpPr>
+      <p:sp>
+        <p:nvSpPr>
+          <p:cNvPr id="2" name="Title 1">
+            <a:extLst>
+              <a:ext uri="{FF2B5EF4-FFF2-40B4-BE49-F238E27FC236}">
+                <a16:creationId xmlns:a16="http://schemas.microsoft.com/office/drawing/2014/main" id="{46F9623C-E77C-5144-BEE9-0F0BBBA1D88F}"/>
+              </a:ext>
+            </a:extLst>
+          </p:cNvPr>
+          <p:cNvSpPr>
+            <a:spLocks noGrp="1"/>
+          </p:cNvSpPr>
+          <p:nvPr>
+            <p:ph type="title"/>
+          </p:nvPr>
+        </p:nvSpPr>
+        <p:spPr/>
+        <p:txBody>
+          <a:bodyPr/>
+          <a:lstStyle/>
+          <a:p>
+            <a:pPr lvl="0" marL="0" indent="0">
+              <a:buNone/>
+            </a:pPr>
+            <a:r>
+              <a:rPr/>
+              <a:t>Go</a:t>
+            </a:r>
+            <a:r>
+              <a:rPr/>
+              <a:t> </a:t>
+            </a:r>
+            <a:r>
+              <a:rPr/>
+              <a:t>to</a:t>
+            </a:r>
+            <a:r>
+              <a:rPr/>
+              <a:t> </a:t>
+            </a:r>
+            <a:r>
+              <a:rPr/>
+              <a:t>RStudioCloud</a:t>
+            </a:r>
+          </a:p>
+        </p:txBody>
+      </p:sp>
+      <p:sp>
+        <p:nvSpPr>
+          <p:cNvPr id="3" name="Content Placeholder 2">
+            <a:extLst>
+              <a:ext uri="{FF2B5EF4-FFF2-40B4-BE49-F238E27FC236}">
+                <a16:creationId xmlns:a16="http://schemas.microsoft.com/office/drawing/2014/main" id="{A25E1A85-B87A-774D-8127-DDB79A00C24D}"/>
+              </a:ext>
+            </a:extLst>
+          </p:cNvPr>
+          <p:cNvSpPr>
+            <a:spLocks noGrp="1"/>
+          </p:cNvSpPr>
+          <p:nvPr>
+            <p:ph idx="1"/>
+          </p:nvPr>
+        </p:nvSpPr>
+        <p:spPr/>
+        <p:txBody>
+          <a:bodyPr/>
+          <a:lstStyle/>
+          <a:p>
+            <a:pPr lvl="0" marL="0" indent="0">
+              <a:buNone/>
+            </a:pPr>
+            <a:r>
+              <a:rPr/>
+              <a:t>LINK HERE</a:t>
+            </a:r>
+          </a:p>
+          <a:p>
+            <a:pPr lvl="0" marL="0" indent="0">
+              <a:buNone/>
+            </a:pPr>
+            <a:r>
+              <a:rPr/>
+              <a:t>Go to exercises/challenge.Rmd</a:t>
+            </a:r>
+          </a:p>
+          <a:p>
+            <a:pPr lvl="0" marL="0" indent="0">
+              <a:buNone/>
+            </a:pPr>
+            <a:r>
+              <a:rPr/>
+              <a:t>We will work on three Philadelphia datasets: locations of farmers markets, locations of Wawas, and real estate prices</a:t>
+            </a:r>
+          </a:p>
+        </p:txBody>
+      </p:sp>
+    </p:spTree>
+  </p:cSld>
+</p:sld>
+</file>
+
+<file path=ppt/slides/slide12.xml><?xml version="1.0" encoding="utf-8"?>
+<p:sld xmlns:a="http://schemas.openxmlformats.org/drawingml/2006/main" xmlns:r="http://schemas.openxmlformats.org/officeDocument/2006/relationships" xmlns:p="http://schemas.openxmlformats.org/presentationml/2006/main">
+  <p:cSld>
+    <p:spTree>
+      <p:nvGrpSpPr>
+        <p:cNvPr id="1" name=""/>
+        <p:cNvGrpSpPr/>
+        <p:nvPr/>
+      </p:nvGrpSpPr>
+      <p:grpSpPr>
+        <a:xfrm>
+          <a:off x="0" y="0"/>
+          <a:ext cx="0" cy="0"/>
+          <a:chOff x="0" y="0"/>
+          <a:chExt cx="0" cy="0"/>
+        </a:xfrm>
+      </p:grpSpPr>
+      <p:sp>
+        <p:nvSpPr>
+          <p:cNvPr id="2" name="Title 1">
+            <a:extLst>
+              <a:ext uri="{FF2B5EF4-FFF2-40B4-BE49-F238E27FC236}">
+                <a16:creationId xmlns:a16="http://schemas.microsoft.com/office/drawing/2014/main" id="{46F9623C-E77C-5144-BEE9-0F0BBBA1D88F}"/>
+              </a:ext>
+            </a:extLst>
+          </p:cNvPr>
+          <p:cNvSpPr>
+            <a:spLocks noGrp="1"/>
+          </p:cNvSpPr>
+          <p:nvPr>
+            <p:ph type="title"/>
+          </p:nvPr>
+        </p:nvSpPr>
+        <p:spPr/>
+        <p:txBody>
+          <a:bodyPr/>
+          <a:lstStyle/>
+          <a:p>
+            <a:pPr lvl="0" marL="0" indent="0">
+              <a:buNone/>
+            </a:pPr>
+            <a:r>
+              <a:rPr/>
               <a:t>Time</a:t>
             </a:r>
             <a:r>
@@ -3694,7 +3985,7 @@
 </p:sld>
 </file>
 
-<file path=ppt/slides/slide11.xml><?xml version="1.0" encoding="utf-8"?>
+<file path=ppt/slides/slide13.xml><?xml version="1.0" encoding="utf-8"?>
 <p:sld xmlns:a="http://schemas.openxmlformats.org/drawingml/2006/main" xmlns:r="http://schemas.openxmlformats.org/officeDocument/2006/relationships" xmlns:p="http://schemas.openxmlformats.org/presentationml/2006/main">
   <p:cSld>
     <p:spTree>
@@ -3800,17 +4091,7 @@
             </a:pPr>
             <a:r>
               <a:rPr/>
-              <a:t>a </a:t>
-            </a:r>
-            <a:r>
-              <a:rPr sz="1800">
-                <a:latin typeface="Courier"/>
-              </a:rPr>
-              <a:t>reprex</a:t>
-            </a:r>
-            <a:r>
-              <a:rPr/>
-              <a:t> is a </a:t>
+              <a:t>a reprex is a </a:t>
             </a:r>
             <a:r>
               <a:rPr i="1"/>
@@ -3847,7 +4128,7 @@
 </p:sld>
 </file>
 
-<file path=ppt/slides/slide12.xml><?xml version="1.0" encoding="utf-8"?>
+<file path=ppt/slides/slide14.xml><?xml version="1.0" encoding="utf-8"?>
 <p:sld xmlns:a="http://schemas.openxmlformats.org/drawingml/2006/main" xmlns:r="http://schemas.openxmlformats.org/officeDocument/2006/relationships" xmlns:p="http://schemas.openxmlformats.org/presentationml/2006/main">
   <p:cSld>
     <p:spTree>
@@ -3957,6 +4238,15 @@
                 <a:hlinkClick r:id="rId5"/>
               </a:rPr>
               <a:t>https://cran.r-project.org/doc/contrib/de_Jonge+van_der_Loo-Introduction_to_data_cleaning_with_R.pdf</a:t>
+            </a:r>
+          </a:p>
+          <a:p>
+            <a:pPr lvl="1"/>
+            <a:r>
+              <a:rPr>
+                <a:hlinkClick r:id="rId6"/>
+              </a:rPr>
+              <a:t>https://resources.rstudio.com/rstudio-conf-2020/lightning-talk-maya-gans</a:t>
             </a:r>
           </a:p>
         </p:txBody>
@@ -4298,8 +4588,8 @@
         </p:blipFill>
         <p:spPr bwMode="auto">
           <a:xfrm>
-            <a:off x="2235200" y="1816100"/>
-            <a:ext cx="7721600" cy="4343400"/>
+            <a:off x="2692400" y="1816100"/>
+            <a:ext cx="6819900" cy="3835400"/>
           </a:xfrm>
           <a:prstGeom prst="rect">
             <a:avLst/>
@@ -4312,6 +4602,180 @@
           </a:ln>
         </p:spPr>
       </p:pic>
+      <p:sp>
+        <p:nvSpPr>
+          <p:cNvPr id="1" name="TextBox 3"/>
+          <p:cNvSpPr txBox="1"/>
+          <p:nvPr/>
+        </p:nvSpPr>
+        <p:spPr>
+          <a:xfrm>
+            <a:off x="838200" y="5651500"/>
+            <a:ext cx="10515600" cy="508000"/>
+          </a:xfrm>
+          <a:prstGeom prst="rect">
+            <a:avLst/>
+          </a:prstGeom>
+          <a:noFill/>
+        </p:spPr>
+        <p:txBody>
+          <a:bodyPr/>
+          <a:lstStyle/>
+          <a:p>
+            <a:pPr lvl="0" marL="0" indent="0" algn="ctr">
+              <a:buNone/>
+            </a:pPr>
+            <a:r>
+              <a:rPr/>
+              <a:t>Adapted</a:t>
+            </a:r>
+            <a:r>
+              <a:rPr/>
+              <a:t> </a:t>
+            </a:r>
+            <a:r>
+              <a:rPr/>
+              <a:t>from</a:t>
+            </a:r>
+            <a:r>
+              <a:rPr/>
+              <a:t> </a:t>
+            </a:r>
+            <a:r>
+              <a:rPr/>
+              <a:t>“</a:t>
+            </a:r>
+            <a:r>
+              <a:rPr/>
+              <a:t>An</a:t>
+            </a:r>
+            <a:r>
+              <a:rPr/>
+              <a:t> </a:t>
+            </a:r>
+            <a:r>
+              <a:rPr/>
+              <a:t>introduction</a:t>
+            </a:r>
+            <a:r>
+              <a:rPr/>
+              <a:t> </a:t>
+            </a:r>
+            <a:r>
+              <a:rPr/>
+              <a:t>to</a:t>
+            </a:r>
+            <a:r>
+              <a:rPr/>
+              <a:t> </a:t>
+            </a:r>
+            <a:r>
+              <a:rPr/>
+              <a:t>data</a:t>
+            </a:r>
+            <a:r>
+              <a:rPr/>
+              <a:t> </a:t>
+            </a:r>
+            <a:r>
+              <a:rPr/>
+              <a:t>cleaning</a:t>
+            </a:r>
+            <a:r>
+              <a:rPr/>
+              <a:t> </a:t>
+            </a:r>
+            <a:r>
+              <a:rPr/>
+              <a:t>in</a:t>
+            </a:r>
+            <a:r>
+              <a:rPr/>
+              <a:t> </a:t>
+            </a:r>
+            <a:r>
+              <a:rPr/>
+              <a:t>R</a:t>
+            </a:r>
+            <a:r>
+              <a:rPr/>
+              <a:t>”</a:t>
+            </a:r>
+            <a:r>
+              <a:rPr/>
+              <a:t> </a:t>
+            </a:r>
+            <a:r>
+              <a:rPr/>
+              <a:t>by</a:t>
+            </a:r>
+            <a:r>
+              <a:rPr/>
+              <a:t> </a:t>
+            </a:r>
+            <a:r>
+              <a:rPr/>
+              <a:t>Edwin</a:t>
+            </a:r>
+            <a:r>
+              <a:rPr/>
+              <a:t> </a:t>
+            </a:r>
+            <a:r>
+              <a:rPr/>
+              <a:t>de</a:t>
+            </a:r>
+            <a:r>
+              <a:rPr/>
+              <a:t> </a:t>
+            </a:r>
+            <a:r>
+              <a:rPr/>
+              <a:t>Jonge</a:t>
+            </a:r>
+            <a:r>
+              <a:rPr/>
+              <a:t> </a:t>
+            </a:r>
+            <a:r>
+              <a:rPr/>
+              <a:t>and</a:t>
+            </a:r>
+            <a:r>
+              <a:rPr/>
+              <a:t> </a:t>
+            </a:r>
+            <a:r>
+              <a:rPr/>
+              <a:t>Mark</a:t>
+            </a:r>
+            <a:r>
+              <a:rPr/>
+              <a:t> </a:t>
+            </a:r>
+            <a:r>
+              <a:rPr/>
+              <a:t>van</a:t>
+            </a:r>
+            <a:r>
+              <a:rPr/>
+              <a:t> </a:t>
+            </a:r>
+            <a:r>
+              <a:rPr/>
+              <a:t>der</a:t>
+            </a:r>
+            <a:r>
+              <a:rPr/>
+              <a:t> </a:t>
+            </a:r>
+            <a:r>
+              <a:rPr/>
+              <a:t>Loo</a:t>
+            </a:r>
+          </a:p>
+        </p:txBody>
+      </p:sp>
     </p:spTree>
   </p:cSld>
 </p:sld>
@@ -4336,6 +4800,45 @@
       </p:grpSpPr>
       <p:sp>
         <p:nvSpPr>
+          <p:cNvPr id="2" name="Title 1">
+            <a:extLst>
+              <a:ext uri="{FF2B5EF4-FFF2-40B4-BE49-F238E27FC236}">
+                <a16:creationId xmlns:a16="http://schemas.microsoft.com/office/drawing/2014/main" id="{46F9623C-E77C-5144-BEE9-0F0BBBA1D88F}"/>
+              </a:ext>
+            </a:extLst>
+          </p:cNvPr>
+          <p:cNvSpPr>
+            <a:spLocks noGrp="1"/>
+          </p:cNvSpPr>
+          <p:nvPr>
+            <p:ph type="title"/>
+          </p:nvPr>
+        </p:nvSpPr>
+        <p:spPr/>
+        <p:txBody>
+          <a:bodyPr/>
+          <a:lstStyle/>
+          <a:p>
+            <a:pPr lvl="0" marL="0" indent="0">
+              <a:buNone/>
+            </a:pPr>
+            <a:r>
+              <a:rPr/>
+              <a:t>Useful</a:t>
+            </a:r>
+            <a:r>
+              <a:rPr/>
+              <a:t> </a:t>
+            </a:r>
+            <a:r>
+              <a:rPr/>
+              <a:t>packages</a:t>
+            </a:r>
+          </a:p>
+        </p:txBody>
+      </p:sp>
+      <p:sp>
+        <p:nvSpPr>
           <p:cNvPr id="3" name="Content Placeholder 2">
             <a:extLst>
               <a:ext uri="{FF2B5EF4-FFF2-40B4-BE49-F238E27FC236}">
@@ -4355,12 +4858,31 @@
           <a:bodyPr/>
           <a:lstStyle/>
           <a:p>
-            <a:pPr lvl="0" marL="0" indent="0">
-              <a:buNone/>
-            </a:pPr>
-            <a:r>
-              <a:rPr/>
-              <a:t> Adapted from “An introduction to data cleaning in R” by Edwin de Jonge and Mark van der Loo</a:t>
+            <a:pPr lvl="1"/>
+            <a:r>
+              <a:rPr/>
+              <a:t>tidyverse: readr, dplyr, tidyr, stringr, purrr</a:t>
+            </a:r>
+          </a:p>
+          <a:p>
+            <a:pPr lvl="1"/>
+            <a:r>
+              <a:rPr/>
+              <a:t>janitor</a:t>
+            </a:r>
+          </a:p>
+          <a:p>
+            <a:pPr lvl="1"/>
+            <a:r>
+              <a:rPr/>
+              <a:t>skimr</a:t>
+            </a:r>
+          </a:p>
+          <a:p>
+            <a:pPr lvl="1"/>
+            <a:r>
+              <a:rPr/>
+              <a:t>DataExplorer (requires later R version)</a:t>
             </a:r>
           </a:p>
         </p:txBody>
@@ -4413,15 +4935,47 @@
             </a:pPr>
             <a:r>
               <a:rPr/>
-              <a:t>Useful</a:t>
-            </a:r>
-            <a:r>
-              <a:rPr/>
-              <a:t> </a:t>
-            </a:r>
-            <a:r>
-              <a:rPr/>
-              <a:t>packages</a:t>
+              <a:t>Getting</a:t>
+            </a:r>
+            <a:r>
+              <a:rPr/>
+              <a:t> </a:t>
+            </a:r>
+            <a:r>
+              <a:rPr/>
+              <a:t>the</a:t>
+            </a:r>
+            <a:r>
+              <a:rPr/>
+              <a:t> </a:t>
+            </a:r>
+            <a:r>
+              <a:rPr/>
+              <a:t>@#$@!</a:t>
+            </a:r>
+            <a:r>
+              <a:rPr/>
+              <a:t> </a:t>
+            </a:r>
+            <a:r>
+              <a:rPr/>
+              <a:t>Data</a:t>
+            </a:r>
+            <a:r>
+              <a:rPr/>
+              <a:t> </a:t>
+            </a:r>
+            <a:r>
+              <a:rPr/>
+              <a:t>into</a:t>
+            </a:r>
+            <a:r>
+              <a:rPr/>
+              <a:t> </a:t>
+            </a:r>
+            <a:r>
+              <a:rPr/>
+              <a:t>R</a:t>
             </a:r>
           </a:p>
         </p:txBody>
@@ -4447,31 +5001,12 @@
           <a:bodyPr/>
           <a:lstStyle/>
           <a:p>
-            <a:pPr lvl="1"/>
-            <a:r>
-              <a:rPr/>
-              <a:t>tidyverse: readr, dplyr, tidyr, stringr, purrr</a:t>
-            </a:r>
-          </a:p>
-          <a:p>
-            <a:pPr lvl="1"/>
-            <a:r>
-              <a:rPr/>
-              <a:t>janitor</a:t>
-            </a:r>
-          </a:p>
-          <a:p>
-            <a:pPr lvl="1"/>
-            <a:r>
-              <a:rPr/>
-              <a:t>skimr</a:t>
-            </a:r>
-          </a:p>
-          <a:p>
-            <a:pPr lvl="1"/>
-            <a:r>
-              <a:rPr/>
-              <a:t>DataExplorer (requires later R version)</a:t>
+            <a:pPr lvl="0" marL="0" indent="0">
+              <a:buNone/>
+            </a:pPr>
+            <a:r>
+              <a:rPr/>
+              <a:t>What if the raw data cannot even get into R?</a:t>
             </a:r>
           </a:p>
         </p:txBody>
@@ -4524,47 +5059,31 @@
             </a:pPr>
             <a:r>
               <a:rPr/>
-              <a:t>Getting</a:t>
-            </a:r>
-            <a:r>
-              <a:rPr/>
-              <a:t> </a:t>
-            </a:r>
-            <a:r>
-              <a:rPr/>
-              <a:t>the</a:t>
-            </a:r>
-            <a:r>
-              <a:rPr/>
-              <a:t> </a:t>
-            </a:r>
-            <a:r>
-              <a:rPr/>
-              <a:t>@#$@!</a:t>
-            </a:r>
-            <a:r>
-              <a:rPr/>
-              <a:t> </a:t>
-            </a:r>
-            <a:r>
-              <a:rPr/>
-              <a:t>Data</a:t>
-            </a:r>
-            <a:r>
-              <a:rPr/>
-              <a:t> </a:t>
-            </a:r>
-            <a:r>
-              <a:rPr/>
-              <a:t>into</a:t>
-            </a:r>
-            <a:r>
-              <a:rPr/>
-              <a:t> </a:t>
-            </a:r>
-            <a:r>
-              <a:rPr/>
-              <a:t>R</a:t>
+              <a:t>What</a:t>
+            </a:r>
+            <a:r>
+              <a:rPr/>
+              <a:t> </a:t>
+            </a:r>
+            <a:r>
+              <a:rPr/>
+              <a:t>is</a:t>
+            </a:r>
+            <a:r>
+              <a:rPr/>
+              <a:t> </a:t>
+            </a:r>
+            <a:r>
+              <a:rPr/>
+              <a:t>tidy</a:t>
+            </a:r>
+            <a:r>
+              <a:rPr/>
+              <a:t> </a:t>
+            </a:r>
+            <a:r>
+              <a:rPr/>
+              <a:t>data?</a:t>
             </a:r>
           </a:p>
         </p:txBody>
@@ -4594,8 +5113,71 @@
               <a:buNone/>
             </a:pPr>
             <a:r>
-              <a:rPr/>
-              <a:t>What if the raw data cannot even get into R?</a:t>
+              <a:rPr>
+                <a:hlinkClick r:id="rId2"/>
+              </a:rPr>
+              <a:t>https://r4ds.had.co.nz/tidy-data.html</a:t>
+            </a:r>
+          </a:p>
+          <a:p>
+            <a:pPr lvl="0" marL="0" indent="0">
+              <a:buNone/>
+            </a:pPr>
+            <a:r>
+              <a:rPr/>
+              <a:t>There are three interrelated rules which make a dataset tidy:</a:t>
+            </a:r>
+          </a:p>
+          <a:p>
+            <a:pPr lvl="1">
+              <a:buAutoNum type="arabicPeriod"/>
+            </a:pPr>
+            <a:r>
+              <a:rPr/>
+              <a:t>Each variable must have its own column.</a:t>
+            </a:r>
+          </a:p>
+          <a:p>
+            <a:pPr lvl="1">
+              <a:buAutoNum type="arabicPeriod"/>
+            </a:pPr>
+            <a:r>
+              <a:rPr/>
+              <a:t>Each observation must have its own row.</a:t>
+            </a:r>
+          </a:p>
+          <a:p>
+            <a:pPr lvl="1">
+              <a:buAutoNum type="arabicPeriod"/>
+            </a:pPr>
+            <a:r>
+              <a:rPr/>
+              <a:t>Each value must have its own cell.</a:t>
+            </a:r>
+          </a:p>
+          <a:p>
+            <a:pPr lvl="0" marL="0" indent="0">
+              <a:buNone/>
+            </a:pPr>
+            <a:r>
+              <a:rPr/>
+              <a:t>Usually datasets are organized to make </a:t>
+            </a:r>
+            <a:r>
+              <a:rPr i="1"/>
+              <a:t>data entry</a:t>
+            </a:r>
+            <a:r>
+              <a:rPr/>
+              <a:t> easy, but not to make </a:t>
+            </a:r>
+            <a:r>
+              <a:rPr i="1"/>
+              <a:t>data analysis</a:t>
+            </a:r>
+            <a:r>
+              <a:rPr/>
+              <a:t> easy.</a:t>
             </a:r>
           </a:p>
         </p:txBody>
@@ -4648,31 +5230,23 @@
             </a:pPr>
             <a:r>
               <a:rPr/>
-              <a:t>What</a:t>
-            </a:r>
-            <a:r>
-              <a:rPr/>
-              <a:t> </a:t>
-            </a:r>
-            <a:r>
-              <a:rPr/>
-              <a:t>is</a:t>
-            </a:r>
-            <a:r>
-              <a:rPr/>
-              <a:t> </a:t>
-            </a:r>
-            <a:r>
-              <a:rPr/>
-              <a:t>tidy</a:t>
-            </a:r>
-            <a:r>
-              <a:rPr/>
-              <a:t> </a:t>
-            </a:r>
-            <a:r>
-              <a:rPr/>
-              <a:t>data?</a:t>
+              <a:t>Example</a:t>
+            </a:r>
+            <a:r>
+              <a:rPr/>
+              <a:t> </a:t>
+            </a:r>
+            <a:r>
+              <a:rPr/>
+              <a:t>non-tidy</a:t>
+            </a:r>
+            <a:r>
+              <a:rPr/>
+              <a:t> </a:t>
+            </a:r>
+            <a:r>
+              <a:rPr/>
+              <a:t>data</a:t>
             </a:r>
           </a:p>
         </p:txBody>
@@ -4709,64 +5283,114 @@
             </a:r>
           </a:p>
           <a:p>
-            <a:pPr lvl="0" marL="0" indent="0">
+            <a:pPr lvl="0" marL="1270000" indent="0">
               <a:buNone/>
             </a:pPr>
             <a:r>
-              <a:rPr/>
-              <a:t>There are three interrelated rules which make a dataset tidy:</a:t>
-            </a:r>
-          </a:p>
-          <a:p>
-            <a:pPr lvl="1">
-              <a:buAutoNum type="arabicPeriod"/>
-            </a:pPr>
-            <a:r>
-              <a:rPr/>
-              <a:t>Each variable must have its own column.</a:t>
-            </a:r>
-          </a:p>
-          <a:p>
-            <a:pPr lvl="1">
-              <a:buAutoNum type="arabicPeriod"/>
-            </a:pPr>
-            <a:r>
-              <a:rPr/>
-              <a:t>Each observation must have its own row.</a:t>
-            </a:r>
-          </a:p>
-          <a:p>
-            <a:pPr lvl="1">
-              <a:buAutoNum type="arabicPeriod"/>
-            </a:pPr>
-            <a:r>
-              <a:rPr/>
-              <a:t>Each value must have its own cell.</a:t>
-            </a:r>
-          </a:p>
-          <a:p>
-            <a:pPr lvl="0" marL="0" indent="0">
-              <a:buNone/>
-            </a:pPr>
-            <a:r>
-              <a:rPr/>
-              <a:t>Usually datasets are organized to make </a:t>
-            </a:r>
-            <a:r>
-              <a:rPr i="1"/>
-              <a:t>data entry</a:t>
-            </a:r>
-            <a:r>
-              <a:rPr/>
-              <a:t> easy, but not to make </a:t>
-            </a:r>
-            <a:r>
-              <a:rPr i="1"/>
-              <a:t>data analysis</a:t>
-            </a:r>
-            <a:r>
-              <a:rPr/>
-              <a:t> easy.</a:t>
+              <a:rPr sz="1800">
+                <a:latin typeface="Courier"/>
+              </a:rPr>
+              <a:t>table2</a:t>
+            </a:r>
+            <a:br/>
+            <a:r>
+              <a:rPr sz="1800" i="1">
+                <a:solidFill>
+                  <a:srgbClr val="60A0B0"/>
+                </a:solidFill>
+                <a:latin typeface="Courier"/>
+              </a:rPr>
+              <a:t>#&gt; # A tibble: 12 x 4</a:t>
+            </a:r>
+            <a:br/>
+            <a:r>
+              <a:rPr sz="1800" i="1">
+                <a:solidFill>
+                  <a:srgbClr val="60A0B0"/>
+                </a:solidFill>
+                <a:latin typeface="Courier"/>
+              </a:rPr>
+              <a:t>#&gt;   country      year type           count</a:t>
+            </a:r>
+            <a:br/>
+            <a:r>
+              <a:rPr sz="1800" i="1">
+                <a:solidFill>
+                  <a:srgbClr val="60A0B0"/>
+                </a:solidFill>
+                <a:latin typeface="Courier"/>
+              </a:rPr>
+              <a:t>#&gt;   &lt;chr&gt;       &lt;int&gt; &lt;chr&gt;          &lt;int&gt;</a:t>
+            </a:r>
+            <a:br/>
+            <a:r>
+              <a:rPr sz="1800" i="1">
+                <a:solidFill>
+                  <a:srgbClr val="60A0B0"/>
+                </a:solidFill>
+                <a:latin typeface="Courier"/>
+              </a:rPr>
+              <a:t>#&gt; 1 Afghanistan  1999 cases            745</a:t>
+            </a:r>
+            <a:br/>
+            <a:r>
+              <a:rPr sz="1800" i="1">
+                <a:solidFill>
+                  <a:srgbClr val="60A0B0"/>
+                </a:solidFill>
+                <a:latin typeface="Courier"/>
+              </a:rPr>
+              <a:t>#&gt; 2 Afghanistan  1999 population  19987071</a:t>
+            </a:r>
+            <a:br/>
+            <a:r>
+              <a:rPr sz="1800" i="1">
+                <a:solidFill>
+                  <a:srgbClr val="60A0B0"/>
+                </a:solidFill>
+                <a:latin typeface="Courier"/>
+              </a:rPr>
+              <a:t>#&gt; 3 Afghanistan  2000 cases           2666</a:t>
+            </a:r>
+            <a:br/>
+            <a:r>
+              <a:rPr sz="1800" i="1">
+                <a:solidFill>
+                  <a:srgbClr val="60A0B0"/>
+                </a:solidFill>
+                <a:latin typeface="Courier"/>
+              </a:rPr>
+              <a:t>#&gt; 4 Afghanistan  2000 population  20595360</a:t>
+            </a:r>
+            <a:br/>
+            <a:r>
+              <a:rPr sz="1800" i="1">
+                <a:solidFill>
+                  <a:srgbClr val="60A0B0"/>
+                </a:solidFill>
+                <a:latin typeface="Courier"/>
+              </a:rPr>
+              <a:t>#&gt; 5 Brazil       1999 cases          37737</a:t>
+            </a:r>
+            <a:br/>
+            <a:r>
+              <a:rPr sz="1800" i="1">
+                <a:solidFill>
+                  <a:srgbClr val="60A0B0"/>
+                </a:solidFill>
+                <a:latin typeface="Courier"/>
+              </a:rPr>
+              <a:t>#&gt; 6 Brazil       1999 population 172006362</a:t>
+            </a:r>
+            <a:br/>
+            <a:r>
+              <a:rPr sz="1800" i="1">
+                <a:solidFill>
+                  <a:srgbClr val="60A0B0"/>
+                </a:solidFill>
+                <a:latin typeface="Courier"/>
+              </a:rPr>
+              <a:t>#&gt; # … with 6 more rows</a:t>
             </a:r>
           </a:p>
         </p:txBody>
@@ -4819,39 +5443,23 @@
             </a:pPr>
             <a:r>
               <a:rPr/>
-              <a:t>Let’s</a:t>
-            </a:r>
-            <a:r>
-              <a:rPr/>
-              <a:t> </a:t>
-            </a:r>
-            <a:r>
-              <a:rPr/>
-              <a:t>take</a:t>
-            </a:r>
-            <a:r>
-              <a:rPr/>
-              <a:t> </a:t>
-            </a:r>
-            <a:r>
-              <a:rPr/>
-              <a:t>on</a:t>
-            </a:r>
-            <a:r>
-              <a:rPr/>
-              <a:t> </a:t>
-            </a:r>
-            <a:r>
-              <a:rPr/>
-              <a:t>some</a:t>
-            </a:r>
-            <a:r>
-              <a:rPr/>
-              <a:t> </a:t>
-            </a:r>
-            <a:r>
-              <a:rPr/>
-              <a:t>challenges</a:t>
+              <a:t>Example</a:t>
+            </a:r>
+            <a:r>
+              <a:rPr/>
+              <a:t> </a:t>
+            </a:r>
+            <a:r>
+              <a:rPr/>
+              <a:t>tidy</a:t>
+            </a:r>
+            <a:r>
+              <a:rPr/>
+              <a:t> </a:t>
+            </a:r>
+            <a:r>
+              <a:rPr/>
+              <a:t>data</a:t>
             </a:r>
           </a:p>
         </p:txBody>
@@ -4881,72 +5489,111 @@
               <a:buNone/>
             </a:pPr>
             <a:r>
-              <a:rPr/>
-              <a:t>Instructions and background on the data</a:t>
-            </a:r>
-          </a:p>
-          <a:p>
-            <a:pPr lvl="1">
-              <a:buAutoNum type="arabicPeriod"/>
+              <a:rPr>
+                <a:hlinkClick r:id="rId2"/>
+              </a:rPr>
+              <a:t>https://r4ds.had.co.nz/tidy-data.html</a:t>
+            </a:r>
+          </a:p>
+          <a:p>
+            <a:pPr lvl="0" marL="1270000" indent="0">
+              <a:buNone/>
             </a:pPr>
-            <a:r>
-              <a:rPr/>
-              <a:t>Ingest rectangular data - readr vs. base R vs. data.table</a:t>
-            </a:r>
-          </a:p>
-          <a:p>
-            <a:pPr lvl="1">
-              <a:buAutoNum type="arabicPeriod"/>
-            </a:pPr>
-            <a:r>
-              <a:rPr/>
-              <a:t>Inspect the data - dplyr, skimr, DataExplorer</a:t>
-            </a:r>
-          </a:p>
-          <a:p>
-            <a:pPr lvl="1">
-              <a:buAutoNum type="arabicPeriod"/>
-            </a:pPr>
-            <a:r>
-              <a:rPr/>
-              <a:t>Fix some dirty fields - dplyr, tidyr, janitor</a:t>
-            </a:r>
-          </a:p>
-          <a:p>
-            <a:pPr lvl="1">
-              <a:buAutoNum type="arabicPeriod"/>
-            </a:pPr>
-            <a:r>
-              <a:rPr/>
-              <a:t>Ingest other data - JSON</a:t>
-            </a:r>
-          </a:p>
-          <a:p>
-            <a:pPr lvl="1">
-              <a:buAutoNum type="arabicPeriod"/>
-            </a:pPr>
-            <a:r>
-              <a:rPr/>
-              <a:t>Pivoting - RIP to tidyr::gather(), tidyr::spread()</a:t>
-            </a:r>
-          </a:p>
-          <a:p>
-            <a:pPr lvl="1">
-              <a:buAutoNum type="arabicPeriod"/>
-            </a:pPr>
-            <a:r>
-              <a:rPr/>
-              <a:t>Pivoting - new tidyr </a:t>
-            </a:r>
             <a:r>
               <a:rPr sz="1800">
                 <a:latin typeface="Courier"/>
               </a:rPr>
-              <a:t>pivot_</a:t>
-            </a:r>
-            <a:r>
-              <a:rPr/>
-              <a:t> functions</a:t>
+              <a:t>table1</a:t>
+            </a:r>
+            <a:br/>
+            <a:r>
+              <a:rPr sz="1800" i="1">
+                <a:solidFill>
+                  <a:srgbClr val="60A0B0"/>
+                </a:solidFill>
+                <a:latin typeface="Courier"/>
+              </a:rPr>
+              <a:t>#&gt; # A tibble: 6 x 4</a:t>
+            </a:r>
+            <a:br/>
+            <a:r>
+              <a:rPr sz="1800" i="1">
+                <a:solidFill>
+                  <a:srgbClr val="60A0B0"/>
+                </a:solidFill>
+                <a:latin typeface="Courier"/>
+              </a:rPr>
+              <a:t>#&gt;   country      year  cases population</a:t>
+            </a:r>
+            <a:br/>
+            <a:r>
+              <a:rPr sz="1800" i="1">
+                <a:solidFill>
+                  <a:srgbClr val="60A0B0"/>
+                </a:solidFill>
+                <a:latin typeface="Courier"/>
+              </a:rPr>
+              <a:t>#&gt;   &lt;chr&gt;       &lt;int&gt;  &lt;int&gt;      &lt;int&gt;</a:t>
+            </a:r>
+            <a:br/>
+            <a:r>
+              <a:rPr sz="1800" i="1">
+                <a:solidFill>
+                  <a:srgbClr val="60A0B0"/>
+                </a:solidFill>
+                <a:latin typeface="Courier"/>
+              </a:rPr>
+              <a:t>#&gt; 1 Afghanistan  1999    745   19987071</a:t>
+            </a:r>
+            <a:br/>
+            <a:r>
+              <a:rPr sz="1800" i="1">
+                <a:solidFill>
+                  <a:srgbClr val="60A0B0"/>
+                </a:solidFill>
+                <a:latin typeface="Courier"/>
+              </a:rPr>
+              <a:t>#&gt; 2 Afghanistan  2000   2666   20595360</a:t>
+            </a:r>
+            <a:br/>
+            <a:r>
+              <a:rPr sz="1800" i="1">
+                <a:solidFill>
+                  <a:srgbClr val="60A0B0"/>
+                </a:solidFill>
+                <a:latin typeface="Courier"/>
+              </a:rPr>
+              <a:t>#&gt; 3 Brazil       1999  37737  172006362</a:t>
+            </a:r>
+            <a:br/>
+            <a:r>
+              <a:rPr sz="1800" i="1">
+                <a:solidFill>
+                  <a:srgbClr val="60A0B0"/>
+                </a:solidFill>
+                <a:latin typeface="Courier"/>
+              </a:rPr>
+              <a:t>#&gt; 4 Brazil       2000  80488  174504898</a:t>
+            </a:r>
+            <a:br/>
+            <a:r>
+              <a:rPr sz="1800" i="1">
+                <a:solidFill>
+                  <a:srgbClr val="60A0B0"/>
+                </a:solidFill>
+                <a:latin typeface="Courier"/>
+              </a:rPr>
+              <a:t>#&gt; 5 China        1999 212258 1272915272</a:t>
+            </a:r>
+            <a:br/>
+            <a:r>
+              <a:rPr sz="1800" i="1">
+                <a:solidFill>
+                  <a:srgbClr val="60A0B0"/>
+                </a:solidFill>
+                <a:latin typeface="Courier"/>
+              </a:rPr>
+              <a:t>#&gt; 6 China        2000 213766 1280428583</a:t>
             </a:r>
           </a:p>
         </p:txBody>
